--- a/speaker-poster/ppt/Nitish Sharma.pptx
+++ b/speaker-poster/ppt/Nitish Sharma.pptx
@@ -261,7 +261,7 @@
           <a:p>
             <a:fld id="{4734258E-F4BA-40A9-ADC0-291CE1545D60}" type="datetimeFigureOut">
               <a:rPr lang="en-IN" smtClean="0"/>
-              <a:t>22-08-2021</a:t>
+              <a:t>23-08-2021</a:t>
             </a:fld>
             <a:endParaRPr lang="en-IN"/>
           </a:p>
@@ -461,7 +461,7 @@
           <a:p>
             <a:fld id="{4734258E-F4BA-40A9-ADC0-291CE1545D60}" type="datetimeFigureOut">
               <a:rPr lang="en-IN" smtClean="0"/>
-              <a:t>22-08-2021</a:t>
+              <a:t>23-08-2021</a:t>
             </a:fld>
             <a:endParaRPr lang="en-IN"/>
           </a:p>
@@ -671,7 +671,7 @@
           <a:p>
             <a:fld id="{4734258E-F4BA-40A9-ADC0-291CE1545D60}" type="datetimeFigureOut">
               <a:rPr lang="en-IN" smtClean="0"/>
-              <a:t>22-08-2021</a:t>
+              <a:t>23-08-2021</a:t>
             </a:fld>
             <a:endParaRPr lang="en-IN"/>
           </a:p>
@@ -871,7 +871,7 @@
           <a:p>
             <a:fld id="{4734258E-F4BA-40A9-ADC0-291CE1545D60}" type="datetimeFigureOut">
               <a:rPr lang="en-IN" smtClean="0"/>
-              <a:t>22-08-2021</a:t>
+              <a:t>23-08-2021</a:t>
             </a:fld>
             <a:endParaRPr lang="en-IN"/>
           </a:p>
@@ -1147,7 +1147,7 @@
           <a:p>
             <a:fld id="{4734258E-F4BA-40A9-ADC0-291CE1545D60}" type="datetimeFigureOut">
               <a:rPr lang="en-IN" smtClean="0"/>
-              <a:t>22-08-2021</a:t>
+              <a:t>23-08-2021</a:t>
             </a:fld>
             <a:endParaRPr lang="en-IN"/>
           </a:p>
@@ -1415,7 +1415,7 @@
           <a:p>
             <a:fld id="{4734258E-F4BA-40A9-ADC0-291CE1545D60}" type="datetimeFigureOut">
               <a:rPr lang="en-IN" smtClean="0"/>
-              <a:t>22-08-2021</a:t>
+              <a:t>23-08-2021</a:t>
             </a:fld>
             <a:endParaRPr lang="en-IN"/>
           </a:p>
@@ -1830,7 +1830,7 @@
           <a:p>
             <a:fld id="{4734258E-F4BA-40A9-ADC0-291CE1545D60}" type="datetimeFigureOut">
               <a:rPr lang="en-IN" smtClean="0"/>
-              <a:t>22-08-2021</a:t>
+              <a:t>23-08-2021</a:t>
             </a:fld>
             <a:endParaRPr lang="en-IN"/>
           </a:p>
@@ -1972,7 +1972,7 @@
           <a:p>
             <a:fld id="{4734258E-F4BA-40A9-ADC0-291CE1545D60}" type="datetimeFigureOut">
               <a:rPr lang="en-IN" smtClean="0"/>
-              <a:t>22-08-2021</a:t>
+              <a:t>23-08-2021</a:t>
             </a:fld>
             <a:endParaRPr lang="en-IN"/>
           </a:p>
@@ -2085,7 +2085,7 @@
           <a:p>
             <a:fld id="{4734258E-F4BA-40A9-ADC0-291CE1545D60}" type="datetimeFigureOut">
               <a:rPr lang="en-IN" smtClean="0"/>
-              <a:t>22-08-2021</a:t>
+              <a:t>23-08-2021</a:t>
             </a:fld>
             <a:endParaRPr lang="en-IN"/>
           </a:p>
@@ -2398,7 +2398,7 @@
           <a:p>
             <a:fld id="{4734258E-F4BA-40A9-ADC0-291CE1545D60}" type="datetimeFigureOut">
               <a:rPr lang="en-IN" smtClean="0"/>
-              <a:t>22-08-2021</a:t>
+              <a:t>23-08-2021</a:t>
             </a:fld>
             <a:endParaRPr lang="en-IN"/>
           </a:p>
@@ -2687,7 +2687,7 @@
           <a:p>
             <a:fld id="{4734258E-F4BA-40A9-ADC0-291CE1545D60}" type="datetimeFigureOut">
               <a:rPr lang="en-IN" smtClean="0"/>
-              <a:t>22-08-2021</a:t>
+              <a:t>23-08-2021</a:t>
             </a:fld>
             <a:endParaRPr lang="en-IN"/>
           </a:p>
@@ -2930,7 +2930,7 @@
           <a:p>
             <a:fld id="{4734258E-F4BA-40A9-ADC0-291CE1545D60}" type="datetimeFigureOut">
               <a:rPr lang="en-IN" smtClean="0"/>
-              <a:t>22-08-2021</a:t>
+              <a:t>23-08-2021</a:t>
             </a:fld>
             <a:endParaRPr lang="en-IN"/>
           </a:p>
@@ -3970,6 +3970,84 @@
           </a:p>
         </p:txBody>
       </p:sp>
+      <p:pic>
+        <p:nvPicPr>
+          <p:cNvPr id="17" name="Picture 16" descr="Icon&#10;&#10;Description automatically generated">
+            <a:extLst>
+              <a:ext uri="{FF2B5EF4-FFF2-40B4-BE49-F238E27FC236}">
+                <a16:creationId xmlns:a16="http://schemas.microsoft.com/office/drawing/2014/main" id="{2541C3D0-9FD6-4A0A-B644-54B1E8DBDAB7}"/>
+              </a:ext>
+            </a:extLst>
+          </p:cNvPr>
+          <p:cNvPicPr>
+            <a:picLocks noChangeAspect="1"/>
+          </p:cNvPicPr>
+          <p:nvPr/>
+        </p:nvPicPr>
+        <p:blipFill>
+          <a:blip r:embed="rId9">
+            <a:extLst>
+              <a:ext uri="{28A0092B-C50C-407E-A947-70E740481C1C}">
+                <a14:useLocalDpi xmlns:a14="http://schemas.microsoft.com/office/drawing/2010/main" val="0"/>
+              </a:ext>
+            </a:extLst>
+          </a:blip>
+          <a:stretch>
+            <a:fillRect/>
+          </a:stretch>
+        </p:blipFill>
+        <p:spPr>
+          <a:xfrm>
+            <a:off x="582123" y="3547771"/>
+            <a:ext cx="200489" cy="200489"/>
+          </a:xfrm>
+          <a:prstGeom prst="rect">
+            <a:avLst/>
+          </a:prstGeom>
+        </p:spPr>
+      </p:pic>
+      <p:sp>
+        <p:nvSpPr>
+          <p:cNvPr id="18" name="TextBox 17">
+            <a:extLst>
+              <a:ext uri="{FF2B5EF4-FFF2-40B4-BE49-F238E27FC236}">
+                <a16:creationId xmlns:a16="http://schemas.microsoft.com/office/drawing/2014/main" id="{749C05B5-C68B-48FC-858D-7C3A61431909}"/>
+              </a:ext>
+            </a:extLst>
+          </p:cNvPr>
+          <p:cNvSpPr txBox="1"/>
+          <p:nvPr/>
+        </p:nvSpPr>
+        <p:spPr>
+          <a:xfrm>
+            <a:off x="777763" y="3517210"/>
+            <a:ext cx="2132164" cy="253916"/>
+          </a:xfrm>
+          <a:prstGeom prst="rect">
+            <a:avLst/>
+          </a:prstGeom>
+          <a:noFill/>
+        </p:spPr>
+        <p:txBody>
+          <a:bodyPr wrap="square" rtlCol="0">
+            <a:spAutoFit/>
+          </a:bodyPr>
+          <a:lstStyle/>
+          <a:p>
+            <a:r>
+              <a:rPr lang="en-IN" sz="1050" dirty="0">
+                <a:solidFill>
+                  <a:schemeClr val="tx1">
+                    <a:lumMod val="50000"/>
+                    <a:lumOff val="50000"/>
+                  </a:schemeClr>
+                </a:solidFill>
+              </a:rPr>
+              <a:t>Nitish Sharma</a:t>
+            </a:r>
+          </a:p>
+        </p:txBody>
+      </p:sp>
     </p:spTree>
     <p:extLst>
       <p:ext uri="{BB962C8B-B14F-4D97-AF65-F5344CB8AC3E}">
